--- a/Projekat.pptx
+++ b/Projekat.pptx
@@ -234,7 +234,7 @@
           <a:p>
             <a:fld id="{9CBD8DAE-C4E7-4BE5-87FC-200D753A6F37}" type="datetimeFigureOut">
               <a:rPr lang="en-US" smtClean="0"/>
-              <a:t>01-Jul-23</a:t>
+              <a:t>3/13/2024</a:t>
             </a:fld>
             <a:endParaRPr lang="en-US"/>
           </a:p>
@@ -808,7 +808,7 @@
           <a:p>
             <a:fld id="{1D8BD707-D9CF-40AE-B4C6-C98DA3205C09}" type="datetimeFigureOut">
               <a:rPr lang="en-US"/>
-              <a:t>01-Jul-23</a:t>
+              <a:t>3/13/2024</a:t>
             </a:fld>
             <a:endParaRPr lang="en-US"/>
           </a:p>
@@ -979,7 +979,7 @@
           <a:p>
             <a:fld id="{1D8BD707-D9CF-40AE-B4C6-C98DA3205C09}" type="datetimeFigureOut">
               <a:rPr lang="en-US"/>
-              <a:t>01-Jul-23</a:t>
+              <a:t>3/13/2024</a:t>
             </a:fld>
             <a:endParaRPr lang="en-US"/>
           </a:p>
@@ -1193,7 +1193,7 @@
           <a:p>
             <a:fld id="{1D8BD707-D9CF-40AE-B4C6-C98DA3205C09}" type="datetimeFigureOut">
               <a:rPr lang="en-US"/>
-              <a:t>01-Jul-23</a:t>
+              <a:t>3/13/2024</a:t>
             </a:fld>
             <a:endParaRPr lang="en-US"/>
           </a:p>
@@ -1341,7 +1341,7 @@
           <a:p>
             <a:fld id="{1D8BD707-D9CF-40AE-B4C6-C98DA3205C09}" type="datetimeFigureOut">
               <a:rPr lang="en-US"/>
-              <a:t>01-Jul-23</a:t>
+              <a:t>3/13/2024</a:t>
             </a:fld>
             <a:endParaRPr lang="en-US"/>
           </a:p>
@@ -1466,7 +1466,7 @@
           <a:p>
             <a:fld id="{1D8BD707-D9CF-40AE-B4C6-C98DA3205C09}" type="datetimeFigureOut">
               <a:rPr lang="en-US"/>
-              <a:t>01-Jul-23</a:t>
+              <a:t>3/13/2024</a:t>
             </a:fld>
             <a:endParaRPr lang="en-US"/>
           </a:p>
@@ -1850,7 +1850,7 @@
           <a:p>
             <a:fld id="{1D8BD707-D9CF-40AE-B4C6-C98DA3205C09}" type="datetimeFigureOut">
               <a:rPr lang="en-US"/>
-              <a:t>01-Jul-23</a:t>
+              <a:t>3/13/2024</a:t>
             </a:fld>
             <a:endParaRPr lang="en-US"/>
           </a:p>
@@ -2206,7 +2206,13 @@
           <p:cNvGraphicFramePr>
             <a:graphicFrameLocks noGrp="1"/>
           </p:cNvGraphicFramePr>
-          <p:nvPr/>
+          <p:nvPr>
+            <p:extLst>
+              <p:ext uri="{D42A27DB-BD31-4B8C-83A1-F6EECF244321}">
+                <p14:modId xmlns:p14="http://schemas.microsoft.com/office/powerpoint/2010/main" val="3684931278"/>
+              </p:ext>
+            </p:extLst>
+          </p:nvPr>
         </p:nvGraphicFramePr>
         <p:xfrm>
           <a:off x="855980" y="5430478"/>
@@ -2344,10 +2350,6 @@
                         </a:rPr>
                         <a:t>ent:</a:t>
                       </a:r>
-                      <a:endParaRPr sz="1200">
-                        <a:latin typeface="Arial"/>
-                        <a:cs typeface="Arial"/>
-                      </a:endParaRPr>
                     </a:p>
                     <a:p>
                       <a:pPr marR="120014" algn="r">
@@ -2360,23 +2362,16 @@
                           <a:latin typeface="Arial"/>
                           <a:cs typeface="Arial"/>
                         </a:rPr>
-                        <a:t>Mihailo Anđelić</a:t>
-                      </a:r>
-                      <a:r>
-                        <a:rPr sz="1200" spc="-45" dirty="0">
-                          <a:latin typeface="Arial"/>
-                          <a:cs typeface="Arial"/>
-                        </a:rPr>
-                        <a:t> </a:t>
-                      </a:r>
-                      <a:r>
-                        <a:rPr sz="1200" spc="-5" dirty="0">
-                          <a:latin typeface="Arial"/>
-                          <a:cs typeface="Arial"/>
-                        </a:rPr>
-                        <a:t>468/21</a:t>
-                      </a:r>
-                      <a:endParaRPr sz="1200">
+                        <a:t>Mihailo </a:t>
+                      </a:r>
+                      <a:r>
+                        <a:rPr sz="1200" spc="-5" dirty="0" err="1">
+                          <a:latin typeface="Arial"/>
+                          <a:cs typeface="Arial"/>
+                        </a:rPr>
+                        <a:t>Anđelić</a:t>
+                      </a:r>
+                      <a:endParaRPr sz="1200" dirty="0">
                         <a:latin typeface="Arial"/>
                         <a:cs typeface="Arial"/>
                       </a:endParaRPr>
@@ -2390,7 +2385,7 @@
                           <a:spcPts val="35"/>
                         </a:spcBef>
                       </a:pPr>
-                      <a:endParaRPr sz="1200">
+                      <a:endParaRPr sz="1200" dirty="0">
                         <a:latin typeface="Times New Roman"/>
                         <a:cs typeface="Times New Roman"/>
                       </a:endParaRPr>
@@ -2471,10 +2466,6 @@
                         </a:rPr>
                         <a:t>.</a:t>
                       </a:r>
-                      <a:endParaRPr sz="1200">
-                        <a:latin typeface="Arial"/>
-                        <a:cs typeface="Arial"/>
-                      </a:endParaRPr>
                     </a:p>
                   </a:txBody>
                   <a:tcPr marL="0" marR="0" marT="0" marB="0"/>
@@ -17564,7 +17555,7 @@
           <a:effectLst/>
           <a:extLst>
             <a:ext uri="{C572A759-6A51-4108-AA02-DFA0A04FC94B}">
-              <ma14:wrappingTextBoxFlag xmlns:ma14="http://schemas.microsoft.com/office/mac/drawingml/2011/main" xmlns="" val="1"/>
+              <ma14:wrappingTextBoxFlag xmlns="" xmlns:ma14="http://schemas.microsoft.com/office/mac/drawingml/2011/main" val="1"/>
             </a:ext>
           </a:extLst>
         </p:spPr>
@@ -17628,7 +17619,7 @@
           <a:effectLst/>
           <a:extLst>
             <a:ext uri="{C572A759-6A51-4108-AA02-DFA0A04FC94B}">
-              <ma14:wrappingTextBoxFlag xmlns:ma14="http://schemas.microsoft.com/office/mac/drawingml/2011/main" xmlns="" val="1"/>
+              <ma14:wrappingTextBoxFlag xmlns="" xmlns:ma14="http://schemas.microsoft.com/office/mac/drawingml/2011/main" val="1"/>
             </a:ext>
           </a:extLst>
         </p:spPr>
@@ -17701,7 +17692,7 @@
           <a:effectLst/>
           <a:extLst>
             <a:ext uri="{C572A759-6A51-4108-AA02-DFA0A04FC94B}">
-              <ma14:wrappingTextBoxFlag xmlns:ma14="http://schemas.microsoft.com/office/mac/drawingml/2011/main" xmlns="" val="1"/>
+              <ma14:wrappingTextBoxFlag xmlns="" xmlns:ma14="http://schemas.microsoft.com/office/mac/drawingml/2011/main" val="1"/>
             </a:ext>
           </a:extLst>
         </p:spPr>
@@ -17765,7 +17756,7 @@
           <a:effectLst/>
           <a:extLst>
             <a:ext uri="{C572A759-6A51-4108-AA02-DFA0A04FC94B}">
-              <ma14:wrappingTextBoxFlag xmlns:ma14="http://schemas.microsoft.com/office/mac/drawingml/2011/main" xmlns="" val="1"/>
+              <ma14:wrappingTextBoxFlag xmlns="" xmlns:ma14="http://schemas.microsoft.com/office/mac/drawingml/2011/main" val="1"/>
             </a:ext>
           </a:extLst>
         </p:spPr>
@@ -17838,7 +17829,7 @@
           <a:effectLst/>
           <a:extLst>
             <a:ext uri="{C572A759-6A51-4108-AA02-DFA0A04FC94B}">
-              <ma14:wrappingTextBoxFlag xmlns:ma14="http://schemas.microsoft.com/office/mac/drawingml/2011/main" xmlns="" val="1"/>
+              <ma14:wrappingTextBoxFlag xmlns="" xmlns:ma14="http://schemas.microsoft.com/office/mac/drawingml/2011/main" val="1"/>
             </a:ext>
           </a:extLst>
         </p:spPr>
@@ -17902,7 +17893,7 @@
           <a:effectLst/>
           <a:extLst>
             <a:ext uri="{C572A759-6A51-4108-AA02-DFA0A04FC94B}">
-              <ma14:wrappingTextBoxFlag xmlns:ma14="http://schemas.microsoft.com/office/mac/drawingml/2011/main" xmlns="" val="1"/>
+              <ma14:wrappingTextBoxFlag xmlns="" xmlns:ma14="http://schemas.microsoft.com/office/mac/drawingml/2011/main" val="1"/>
             </a:ext>
           </a:extLst>
         </p:spPr>
@@ -17975,7 +17966,7 @@
           <a:effectLst/>
           <a:extLst>
             <a:ext uri="{C572A759-6A51-4108-AA02-DFA0A04FC94B}">
-              <ma14:wrappingTextBoxFlag xmlns:ma14="http://schemas.microsoft.com/office/mac/drawingml/2011/main" xmlns="" val="1"/>
+              <ma14:wrappingTextBoxFlag xmlns="" xmlns:ma14="http://schemas.microsoft.com/office/mac/drawingml/2011/main" val="1"/>
             </a:ext>
           </a:extLst>
         </p:spPr>
@@ -18039,7 +18030,7 @@
           <a:effectLst/>
           <a:extLst>
             <a:ext uri="{C572A759-6A51-4108-AA02-DFA0A04FC94B}">
-              <ma14:wrappingTextBoxFlag xmlns:ma14="http://schemas.microsoft.com/office/mac/drawingml/2011/main" xmlns="" val="1"/>
+              <ma14:wrappingTextBoxFlag xmlns="" xmlns:ma14="http://schemas.microsoft.com/office/mac/drawingml/2011/main" val="1"/>
             </a:ext>
           </a:extLst>
         </p:spPr>
@@ -18112,7 +18103,7 @@
           <a:effectLst/>
           <a:extLst>
             <a:ext uri="{C572A759-6A51-4108-AA02-DFA0A04FC94B}">
-              <ma14:wrappingTextBoxFlag xmlns:ma14="http://schemas.microsoft.com/office/mac/drawingml/2011/main" xmlns="" val="1"/>
+              <ma14:wrappingTextBoxFlag xmlns="" xmlns:ma14="http://schemas.microsoft.com/office/mac/drawingml/2011/main" val="1"/>
             </a:ext>
           </a:extLst>
         </p:spPr>
@@ -18176,7 +18167,7 @@
           <a:effectLst/>
           <a:extLst>
             <a:ext uri="{C572A759-6A51-4108-AA02-DFA0A04FC94B}">
-              <ma14:wrappingTextBoxFlag xmlns:ma14="http://schemas.microsoft.com/office/mac/drawingml/2011/main" xmlns="" val="1"/>
+              <ma14:wrappingTextBoxFlag xmlns="" xmlns:ma14="http://schemas.microsoft.com/office/mac/drawingml/2011/main" val="1"/>
             </a:ext>
           </a:extLst>
         </p:spPr>
@@ -18249,7 +18240,7 @@
           <a:effectLst/>
           <a:extLst>
             <a:ext uri="{C572A759-6A51-4108-AA02-DFA0A04FC94B}">
-              <ma14:wrappingTextBoxFlag xmlns:ma14="http://schemas.microsoft.com/office/mac/drawingml/2011/main" xmlns="" val="1"/>
+              <ma14:wrappingTextBoxFlag xmlns="" xmlns:ma14="http://schemas.microsoft.com/office/mac/drawingml/2011/main" val="1"/>
             </a:ext>
           </a:extLst>
         </p:spPr>
@@ -18313,7 +18304,7 @@
           <a:effectLst/>
           <a:extLst>
             <a:ext uri="{C572A759-6A51-4108-AA02-DFA0A04FC94B}">
-              <ma14:wrappingTextBoxFlag xmlns:ma14="http://schemas.microsoft.com/office/mac/drawingml/2011/main" xmlns="" val="1"/>
+              <ma14:wrappingTextBoxFlag xmlns="" xmlns:ma14="http://schemas.microsoft.com/office/mac/drawingml/2011/main" val="1"/>
             </a:ext>
           </a:extLst>
         </p:spPr>
@@ -18386,7 +18377,7 @@
           <a:effectLst/>
           <a:extLst>
             <a:ext uri="{C572A759-6A51-4108-AA02-DFA0A04FC94B}">
-              <ma14:wrappingTextBoxFlag xmlns:ma14="http://schemas.microsoft.com/office/mac/drawingml/2011/main" xmlns="" val="1"/>
+              <ma14:wrappingTextBoxFlag xmlns="" xmlns:ma14="http://schemas.microsoft.com/office/mac/drawingml/2011/main" val="1"/>
             </a:ext>
           </a:extLst>
         </p:spPr>
@@ -18450,7 +18441,7 @@
           <a:effectLst/>
           <a:extLst>
             <a:ext uri="{C572A759-6A51-4108-AA02-DFA0A04FC94B}">
-              <ma14:wrappingTextBoxFlag xmlns:ma14="http://schemas.microsoft.com/office/mac/drawingml/2011/main" xmlns="" val="1"/>
+              <ma14:wrappingTextBoxFlag xmlns="" xmlns:ma14="http://schemas.microsoft.com/office/mac/drawingml/2011/main" val="1"/>
             </a:ext>
           </a:extLst>
         </p:spPr>
